--- a/Documentação/Apresentação da empresa.pptx
+++ b/Documentação/Apresentação da empresa.pptx
@@ -13,9 +13,9 @@
     <p:sldId id="260" r:id="rId4"/>
     <p:sldId id="265" r:id="rId5"/>
     <p:sldId id="264" r:id="rId6"/>
-    <p:sldId id="263" r:id="rId7"/>
-    <p:sldId id="262" r:id="rId8"/>
-    <p:sldId id="261" r:id="rId9"/>
+    <p:sldId id="262" r:id="rId7"/>
+    <p:sldId id="261" r:id="rId8"/>
+    <p:sldId id="263" r:id="rId9"/>
     <p:sldId id="258" r:id="rId10"/>
   </p:sldIdLst>
   <p:sldSz cx="12192000" cy="6858000"/>
@@ -6055,7 +6055,7 @@
                 <a:latin typeface="Thasadith" panose="00000500000000000000" pitchFamily="2" charset="-34"/>
                 <a:cs typeface="Thasadith" panose="00000500000000000000" pitchFamily="2" charset="-34"/>
               </a:rPr>
-              <a:t>REQUISITOS</a:t>
+              <a:t>COMO FUNCIONA?</a:t>
             </a:r>
           </a:p>
         </p:txBody>
@@ -6090,448 +6090,6 @@
                 <a:cs typeface="Thasadith" panose="00000500000000000000" pitchFamily="2" charset="-34"/>
               </a:rPr>
               <a:t>6</a:t>
-            </a:fld>
-            <a:endParaRPr lang="pt-BR" sz="1800" b="1" dirty="0">
-              <a:solidFill>
-                <a:schemeClr val="bg1"/>
-              </a:solidFill>
-              <a:latin typeface="Thasadith" panose="00000500000000000000" pitchFamily="2" charset="-34"/>
-              <a:cs typeface="Thasadith" panose="00000500000000000000" pitchFamily="2" charset="-34"/>
-            </a:endParaRPr>
-          </a:p>
-        </p:txBody>
-      </p:sp>
-      <p:pic>
-        <p:nvPicPr>
-          <p:cNvPr id="5" name="Imagem 4">
-            <a:extLst>
-              <a:ext uri="{FF2B5EF4-FFF2-40B4-BE49-F238E27FC236}">
-                <a16:creationId xmlns:a16="http://schemas.microsoft.com/office/drawing/2014/main" id="{5BB36A71-82FD-4297-B2E5-2D7899317810}"/>
-              </a:ext>
-            </a:extLst>
-          </p:cNvPr>
-          <p:cNvPicPr>
-            <a:picLocks noChangeAspect="1"/>
-          </p:cNvPicPr>
-          <p:nvPr/>
-        </p:nvPicPr>
-        <p:blipFill rotWithShape="1">
-          <a:blip r:embed="rId4">
-            <a:extLst>
-              <a:ext uri="{28A0092B-C50C-407E-A947-70E740481C1C}">
-                <a14:useLocalDpi xmlns:a14="http://schemas.microsoft.com/office/drawing/2010/main" val="0"/>
-              </a:ext>
-            </a:extLst>
-          </a:blip>
-          <a:srcRect t="1406" r="625" b="269"/>
-          <a:stretch/>
-        </p:blipFill>
-        <p:spPr>
-          <a:xfrm>
-            <a:off x="38100" y="1544006"/>
-            <a:ext cx="12115800" cy="3769984"/>
-          </a:xfrm>
-          <a:prstGeom prst="rect">
-            <a:avLst/>
-          </a:prstGeom>
-        </p:spPr>
-      </p:pic>
-    </p:spTree>
-    <p:extLst>
-      <p:ext uri="{BB962C8B-B14F-4D97-AF65-F5344CB8AC3E}">
-        <p14:creationId xmlns:p14="http://schemas.microsoft.com/office/powerpoint/2010/main" val="664096136"/>
-      </p:ext>
-    </p:extLst>
-  </p:cSld>
-  <p:clrMapOvr>
-    <a:masterClrMapping/>
-  </p:clrMapOvr>
-  <p:transition spd="slow">
-    <p:push dir="u"/>
-  </p:transition>
-</p:sld>
-</file>
-
-<file path=ppt/slides/slide7.xml><?xml version="1.0" encoding="utf-8"?>
-<p:sld xmlns:a="http://schemas.openxmlformats.org/drawingml/2006/main" xmlns:r="http://schemas.openxmlformats.org/officeDocument/2006/relationships" xmlns:p="http://schemas.openxmlformats.org/presentationml/2006/main">
-  <p:cSld>
-    <p:spTree>
-      <p:nvGrpSpPr>
-        <p:cNvPr id="1" name=""/>
-        <p:cNvGrpSpPr/>
-        <p:nvPr/>
-      </p:nvGrpSpPr>
-      <p:grpSpPr>
-        <a:xfrm>
-          <a:off x="0" y="0"/>
-          <a:ext cx="0" cy="0"/>
-          <a:chOff x="0" y="0"/>
-          <a:chExt cx="0" cy="0"/>
-        </a:xfrm>
-      </p:grpSpPr>
-      <p:sp>
-        <p:nvSpPr>
-          <p:cNvPr id="12" name="Retângulo 11">
-            <a:extLst>
-              <a:ext uri="{FF2B5EF4-FFF2-40B4-BE49-F238E27FC236}">
-                <a16:creationId xmlns:a16="http://schemas.microsoft.com/office/drawing/2014/main" id="{2375630F-E387-4D64-8121-CA4F4C1C3B1F}"/>
-              </a:ext>
-            </a:extLst>
-          </p:cNvPr>
-          <p:cNvSpPr/>
-          <p:nvPr/>
-        </p:nvSpPr>
-        <p:spPr>
-          <a:xfrm>
-            <a:off x="0" y="-1"/>
-            <a:ext cx="12192000" cy="6858001"/>
-          </a:xfrm>
-          <a:prstGeom prst="rect">
-            <a:avLst/>
-          </a:prstGeom>
-          <a:solidFill>
-            <a:srgbClr val="1F1F1F"/>
-          </a:solidFill>
-          <a:ln>
-            <a:noFill/>
-          </a:ln>
-        </p:spPr>
-        <p:style>
-          <a:lnRef idx="2">
-            <a:schemeClr val="accent1">
-              <a:shade val="50000"/>
-            </a:schemeClr>
-          </a:lnRef>
-          <a:fillRef idx="1">
-            <a:schemeClr val="accent1"/>
-          </a:fillRef>
-          <a:effectRef idx="0">
-            <a:schemeClr val="accent1"/>
-          </a:effectRef>
-          <a:fontRef idx="minor">
-            <a:schemeClr val="lt1"/>
-          </a:fontRef>
-        </p:style>
-        <p:txBody>
-          <a:bodyPr rtlCol="0" anchor="ctr"/>
-          <a:lstStyle/>
-          <a:p>
-            <a:pPr algn="r"/>
-            <a:endParaRPr lang="pt-BR" sz="2400" b="1" dirty="0">
-              <a:latin typeface="Thasadith" panose="00000500000000000000" pitchFamily="2" charset="-34"/>
-              <a:cs typeface="Thasadith" panose="00000500000000000000" pitchFamily="2" charset="-34"/>
-            </a:endParaRPr>
-          </a:p>
-          <a:p>
-            <a:pPr algn="r"/>
-            <a:endParaRPr lang="pt-BR" sz="2400" b="1" dirty="0">
-              <a:latin typeface="Thasadith" panose="00000500000000000000" pitchFamily="2" charset="-34"/>
-              <a:cs typeface="Thasadith" panose="00000500000000000000" pitchFamily="2" charset="-34"/>
-            </a:endParaRPr>
-          </a:p>
-        </p:txBody>
-      </p:sp>
-      <p:sp>
-        <p:nvSpPr>
-          <p:cNvPr id="8" name="Triângulo Retângulo 7">
-            <a:extLst>
-              <a:ext uri="{FF2B5EF4-FFF2-40B4-BE49-F238E27FC236}">
-                <a16:creationId xmlns:a16="http://schemas.microsoft.com/office/drawing/2014/main" id="{0B8F5AE3-CB54-494F-AEEF-018276BAC4C6}"/>
-              </a:ext>
-            </a:extLst>
-          </p:cNvPr>
-          <p:cNvSpPr/>
-          <p:nvPr/>
-        </p:nvSpPr>
-        <p:spPr>
-          <a:xfrm rot="10800000" flipH="1">
-            <a:off x="0" y="-2"/>
-            <a:ext cx="6096000" cy="1273865"/>
-          </a:xfrm>
-          <a:prstGeom prst="rtTriangle">
-            <a:avLst/>
-          </a:prstGeom>
-          <a:solidFill>
-            <a:srgbClr val="162A55"/>
-          </a:solidFill>
-          <a:ln>
-            <a:noFill/>
-          </a:ln>
-        </p:spPr>
-        <p:style>
-          <a:lnRef idx="2">
-            <a:schemeClr val="accent1">
-              <a:shade val="50000"/>
-            </a:schemeClr>
-          </a:lnRef>
-          <a:fillRef idx="1">
-            <a:schemeClr val="accent1"/>
-          </a:fillRef>
-          <a:effectRef idx="0">
-            <a:schemeClr val="accent1"/>
-          </a:effectRef>
-          <a:fontRef idx="minor">
-            <a:schemeClr val="lt1"/>
-          </a:fontRef>
-        </p:style>
-        <p:txBody>
-          <a:bodyPr rtlCol="0" anchor="ctr"/>
-          <a:lstStyle/>
-          <a:p>
-            <a:pPr algn="ctr"/>
-            <a:endParaRPr lang="pt-BR"/>
-          </a:p>
-        </p:txBody>
-      </p:sp>
-      <p:sp>
-        <p:nvSpPr>
-          <p:cNvPr id="13" name="Triângulo Retângulo 12">
-            <a:extLst>
-              <a:ext uri="{FF2B5EF4-FFF2-40B4-BE49-F238E27FC236}">
-                <a16:creationId xmlns:a16="http://schemas.microsoft.com/office/drawing/2014/main" id="{0E5B9610-89DA-47A9-AFE3-A82C87337776}"/>
-              </a:ext>
-            </a:extLst>
-          </p:cNvPr>
-          <p:cNvSpPr/>
-          <p:nvPr/>
-        </p:nvSpPr>
-        <p:spPr>
-          <a:xfrm flipH="1">
-            <a:off x="6096000" y="5584133"/>
-            <a:ext cx="6096000" cy="1273867"/>
-          </a:xfrm>
-          <a:prstGeom prst="rtTriangle">
-            <a:avLst/>
-          </a:prstGeom>
-          <a:solidFill>
-            <a:srgbClr val="162A55"/>
-          </a:solidFill>
-          <a:ln>
-            <a:noFill/>
-          </a:ln>
-        </p:spPr>
-        <p:style>
-          <a:lnRef idx="2">
-            <a:schemeClr val="accent1">
-              <a:shade val="50000"/>
-            </a:schemeClr>
-          </a:lnRef>
-          <a:fillRef idx="1">
-            <a:schemeClr val="accent1"/>
-          </a:fillRef>
-          <a:effectRef idx="0">
-            <a:schemeClr val="accent1"/>
-          </a:effectRef>
-          <a:fontRef idx="minor">
-            <a:schemeClr val="lt1"/>
-          </a:fontRef>
-        </p:style>
-        <p:txBody>
-          <a:bodyPr rtlCol="0" anchor="ctr"/>
-          <a:lstStyle/>
-          <a:p>
-            <a:pPr algn="ctr"/>
-            <a:endParaRPr lang="pt-BR"/>
-          </a:p>
-        </p:txBody>
-      </p:sp>
-      <p:grpSp>
-        <p:nvGrpSpPr>
-          <p:cNvPr id="16" name="Agrupar 15">
-            <a:extLst>
-              <a:ext uri="{FF2B5EF4-FFF2-40B4-BE49-F238E27FC236}">
-                <a16:creationId xmlns:a16="http://schemas.microsoft.com/office/drawing/2014/main" id="{1BFF33C1-3490-48E3-BEB0-3C5440C632D4}"/>
-              </a:ext>
-            </a:extLst>
-          </p:cNvPr>
-          <p:cNvGrpSpPr/>
-          <p:nvPr/>
-        </p:nvGrpSpPr>
-        <p:grpSpPr>
-          <a:xfrm rot="20968734">
-            <a:off x="236331" y="174954"/>
-            <a:ext cx="4364697" cy="584775"/>
-            <a:chOff x="1310389" y="2553140"/>
-            <a:chExt cx="12529471" cy="1700913"/>
-          </a:xfrm>
-        </p:grpSpPr>
-        <p:pic>
-          <p:nvPicPr>
-            <p:cNvPr id="14" name="Gráfico 13">
-              <a:extLst>
-                <a:ext uri="{FF2B5EF4-FFF2-40B4-BE49-F238E27FC236}">
-                  <a16:creationId xmlns:a16="http://schemas.microsoft.com/office/drawing/2014/main" id="{41FC4012-C987-40D1-8256-32A6F3F26D80}"/>
-                </a:ext>
-              </a:extLst>
-            </p:cNvPr>
-            <p:cNvPicPr>
-              <a:picLocks noChangeAspect="1"/>
-            </p:cNvPicPr>
-            <p:nvPr/>
-          </p:nvPicPr>
-          <p:blipFill>
-            <a:blip r:embed="rId2">
-              <a:extLst>
-                <a:ext uri="{28A0092B-C50C-407E-A947-70E740481C1C}">
-                  <a14:useLocalDpi xmlns:a14="http://schemas.microsoft.com/office/drawing/2010/main" val="0"/>
-                </a:ext>
-                <a:ext uri="{96DAC541-7B7A-43D3-8B79-37D633B846F1}">
-                  <asvg:svgBlip xmlns:asvg="http://schemas.microsoft.com/office/drawing/2016/SVG/main" r:embed="rId3"/>
-                </a:ext>
-              </a:extLst>
-            </a:blip>
-            <a:stretch>
-              <a:fillRect/>
-            </a:stretch>
-          </p:blipFill>
-          <p:spPr>
-            <a:xfrm>
-              <a:off x="1310389" y="2642660"/>
-              <a:ext cx="1541670" cy="1233336"/>
-            </a:xfrm>
-            <a:prstGeom prst="rect">
-              <a:avLst/>
-            </a:prstGeom>
-          </p:spPr>
-        </p:pic>
-        <p:sp>
-          <p:nvSpPr>
-            <p:cNvPr id="15" name="CaixaDeTexto 14">
-              <a:extLst>
-                <a:ext uri="{FF2B5EF4-FFF2-40B4-BE49-F238E27FC236}">
-                  <a16:creationId xmlns:a16="http://schemas.microsoft.com/office/drawing/2014/main" id="{ED1C7E70-459B-4238-9C31-09C51BC769FB}"/>
-                </a:ext>
-              </a:extLst>
-            </p:cNvPr>
-            <p:cNvSpPr txBox="1"/>
-            <p:nvPr/>
-          </p:nvSpPr>
-          <p:spPr>
-            <a:xfrm>
-              <a:off x="2852061" y="2553140"/>
-              <a:ext cx="10987799" cy="1700913"/>
-            </a:xfrm>
-            <a:prstGeom prst="rect">
-              <a:avLst/>
-            </a:prstGeom>
-            <a:noFill/>
-          </p:spPr>
-          <p:txBody>
-            <a:bodyPr wrap="square" rtlCol="0">
-              <a:spAutoFit/>
-            </a:bodyPr>
-            <a:lstStyle/>
-            <a:p>
-              <a:r>
-                <a:rPr lang="pt-BR" sz="3200" b="1" dirty="0">
-                  <a:solidFill>
-                    <a:schemeClr val="bg1"/>
-                  </a:solidFill>
-                  <a:latin typeface="Chakra Petch" panose="00000500000000000000" pitchFamily="2" charset="-34"/>
-                  <a:cs typeface="Chakra Petch" panose="00000500000000000000" pitchFamily="2" charset="-34"/>
-                </a:rPr>
-                <a:t>DIGITAL</a:t>
-              </a:r>
-              <a:r>
-                <a:rPr lang="pt-BR" b="1" dirty="0">
-                  <a:latin typeface="Chakra Petch" panose="00000500000000000000" pitchFamily="2" charset="-34"/>
-                  <a:cs typeface="Chakra Petch" panose="00000500000000000000" pitchFamily="2" charset="-34"/>
-                </a:rPr>
-                <a:t> </a:t>
-              </a:r>
-              <a:r>
-                <a:rPr lang="pt-BR" sz="3200" b="1" dirty="0">
-                  <a:solidFill>
-                    <a:schemeClr val="bg1"/>
-                  </a:solidFill>
-                  <a:latin typeface="Chakra Petch" panose="00000500000000000000" pitchFamily="2" charset="-34"/>
-                  <a:cs typeface="Chakra Petch" panose="00000500000000000000" pitchFamily="2" charset="-34"/>
-                </a:rPr>
-                <a:t>TIME</a:t>
-              </a:r>
-              <a:endParaRPr lang="pt-BR" b="1" dirty="0">
-                <a:solidFill>
-                  <a:schemeClr val="bg1"/>
-                </a:solidFill>
-                <a:latin typeface="Chakra Petch" panose="00000500000000000000" pitchFamily="2" charset="-34"/>
-                <a:cs typeface="Chakra Petch" panose="00000500000000000000" pitchFamily="2" charset="-34"/>
-              </a:endParaRPr>
-            </a:p>
-          </p:txBody>
-        </p:sp>
-      </p:grpSp>
-      <p:sp>
-        <p:nvSpPr>
-          <p:cNvPr id="3" name="CaixaDeTexto 2">
-            <a:extLst>
-              <a:ext uri="{FF2B5EF4-FFF2-40B4-BE49-F238E27FC236}">
-                <a16:creationId xmlns:a16="http://schemas.microsoft.com/office/drawing/2014/main" id="{324CD8E9-C250-4A8F-81DB-B8B31074FD92}"/>
-              </a:ext>
-            </a:extLst>
-          </p:cNvPr>
-          <p:cNvSpPr txBox="1"/>
-          <p:nvPr/>
-        </p:nvSpPr>
-        <p:spPr>
-          <a:xfrm>
-            <a:off x="0" y="-3"/>
-            <a:ext cx="12192000" cy="707886"/>
-          </a:xfrm>
-          <a:prstGeom prst="rect">
-            <a:avLst/>
-          </a:prstGeom>
-          <a:noFill/>
-        </p:spPr>
-        <p:txBody>
-          <a:bodyPr wrap="square" rtlCol="0">
-            <a:spAutoFit/>
-          </a:bodyPr>
-          <a:lstStyle/>
-          <a:p>
-            <a:pPr algn="r"/>
-            <a:r>
-              <a:rPr lang="pt-BR" sz="4000" b="1" dirty="0">
-                <a:solidFill>
-                  <a:schemeClr val="bg1"/>
-                </a:solidFill>
-                <a:latin typeface="Thasadith" panose="00000500000000000000" pitchFamily="2" charset="-34"/>
-                <a:cs typeface="Thasadith" panose="00000500000000000000" pitchFamily="2" charset="-34"/>
-              </a:rPr>
-              <a:t>COMO FUNCIONA?</a:t>
-            </a:r>
-          </a:p>
-        </p:txBody>
-      </p:sp>
-      <p:sp>
-        <p:nvSpPr>
-          <p:cNvPr id="4" name="Espaço Reservado para Número de Slide 3">
-            <a:extLst>
-              <a:ext uri="{FF2B5EF4-FFF2-40B4-BE49-F238E27FC236}">
-                <a16:creationId xmlns:a16="http://schemas.microsoft.com/office/drawing/2014/main" id="{501B0F14-C806-4861-9C35-8D5D94587EB8}"/>
-              </a:ext>
-            </a:extLst>
-          </p:cNvPr>
-          <p:cNvSpPr>
-            <a:spLocks noGrp="1"/>
-          </p:cNvSpPr>
-          <p:nvPr>
-            <p:ph type="sldNum" sz="quarter" idx="12"/>
-          </p:nvPr>
-        </p:nvSpPr>
-        <p:spPr/>
-        <p:txBody>
-          <a:bodyPr/>
-          <a:lstStyle/>
-          <a:p>
-            <a:fld id="{9D97899C-E451-4B61-B1C0-61E05E8D416C}" type="slidenum">
-              <a:rPr lang="pt-BR" sz="1800" b="1" smtClean="0">
-                <a:solidFill>
-                  <a:schemeClr val="bg1"/>
-                </a:solidFill>
-                <a:latin typeface="Thasadith" panose="00000500000000000000" pitchFamily="2" charset="-34"/>
-                <a:cs typeface="Thasadith" panose="00000500000000000000" pitchFamily="2" charset="-34"/>
-              </a:rPr>
-              <a:t>7</a:t>
             </a:fld>
             <a:endParaRPr lang="pt-BR" sz="1800" b="1" dirty="0">
               <a:solidFill>
@@ -7086,7 +6644,7 @@
 </p:sld>
 </file>
 
-<file path=ppt/slides/slide8.xml><?xml version="1.0" encoding="utf-8"?>
+<file path=ppt/slides/slide7.xml><?xml version="1.0" encoding="utf-8"?>
 <p:sld xmlns:a="http://schemas.openxmlformats.org/drawingml/2006/main" xmlns:r="http://schemas.openxmlformats.org/officeDocument/2006/relationships" xmlns:p="http://schemas.openxmlformats.org/presentationml/2006/main">
   <p:cSld>
     <p:spTree>
@@ -7423,6 +6981,842 @@
                 <a:latin typeface="Thasadith" panose="00000500000000000000" pitchFamily="2" charset="-34"/>
                 <a:cs typeface="Thasadith" panose="00000500000000000000" pitchFamily="2" charset="-34"/>
               </a:rPr>
+              <a:t>7</a:t>
+            </a:fld>
+            <a:endParaRPr lang="pt-BR" sz="1800" b="1" dirty="0">
+              <a:solidFill>
+                <a:schemeClr val="bg1"/>
+              </a:solidFill>
+              <a:latin typeface="Thasadith" panose="00000500000000000000" pitchFamily="2" charset="-34"/>
+              <a:cs typeface="Thasadith" panose="00000500000000000000" pitchFamily="2" charset="-34"/>
+            </a:endParaRPr>
+          </a:p>
+        </p:txBody>
+      </p:sp>
+      <p:pic>
+        <p:nvPicPr>
+          <p:cNvPr id="6" name="Gráfico 5">
+            <a:extLst>
+              <a:ext uri="{FF2B5EF4-FFF2-40B4-BE49-F238E27FC236}">
+                <a16:creationId xmlns:a16="http://schemas.microsoft.com/office/drawing/2014/main" id="{97471C91-09C4-4A87-BF45-C7256BF11AD1}"/>
+              </a:ext>
+            </a:extLst>
+          </p:cNvPr>
+          <p:cNvPicPr>
+            <a:picLocks noChangeAspect="1"/>
+          </p:cNvPicPr>
+          <p:nvPr/>
+        </p:nvPicPr>
+        <p:blipFill>
+          <a:blip r:embed="rId4">
+            <a:extLst>
+              <a:ext uri="{28A0092B-C50C-407E-A947-70E740481C1C}">
+                <a14:useLocalDpi xmlns:a14="http://schemas.microsoft.com/office/drawing/2010/main" val="0"/>
+              </a:ext>
+              <a:ext uri="{96DAC541-7B7A-43D3-8B79-37D633B846F1}">
+                <asvg:svgBlip xmlns:asvg="http://schemas.microsoft.com/office/drawing/2016/SVG/main" r:embed="rId5"/>
+              </a:ext>
+            </a:extLst>
+          </a:blip>
+          <a:stretch>
+            <a:fillRect/>
+          </a:stretch>
+        </p:blipFill>
+        <p:spPr>
+          <a:xfrm>
+            <a:off x="1006974" y="1700969"/>
+            <a:ext cx="1792397" cy="1792397"/>
+          </a:xfrm>
+          <a:prstGeom prst="rect">
+            <a:avLst/>
+          </a:prstGeom>
+        </p:spPr>
+      </p:pic>
+      <p:pic>
+        <p:nvPicPr>
+          <p:cNvPr id="9" name="Gráfico 8">
+            <a:extLst>
+              <a:ext uri="{FF2B5EF4-FFF2-40B4-BE49-F238E27FC236}">
+                <a16:creationId xmlns:a16="http://schemas.microsoft.com/office/drawing/2014/main" id="{E6EB3829-CE9B-41C1-8425-78AB99D35A7B}"/>
+              </a:ext>
+            </a:extLst>
+          </p:cNvPr>
+          <p:cNvPicPr>
+            <a:picLocks noChangeAspect="1"/>
+          </p:cNvPicPr>
+          <p:nvPr/>
+        </p:nvPicPr>
+        <p:blipFill>
+          <a:blip r:embed="rId6">
+            <a:extLst>
+              <a:ext uri="{28A0092B-C50C-407E-A947-70E740481C1C}">
+                <a14:useLocalDpi xmlns:a14="http://schemas.microsoft.com/office/drawing/2010/main" val="0"/>
+              </a:ext>
+              <a:ext uri="{96DAC541-7B7A-43D3-8B79-37D633B846F1}">
+                <asvg:svgBlip xmlns:asvg="http://schemas.microsoft.com/office/drawing/2016/SVG/main" r:embed="rId7"/>
+              </a:ext>
+            </a:extLst>
+          </a:blip>
+          <a:stretch>
+            <a:fillRect/>
+          </a:stretch>
+        </p:blipFill>
+        <p:spPr>
+          <a:xfrm>
+            <a:off x="1143497" y="4209283"/>
+            <a:ext cx="1655874" cy="1655874"/>
+          </a:xfrm>
+          <a:prstGeom prst="rect">
+            <a:avLst/>
+          </a:prstGeom>
+        </p:spPr>
+      </p:pic>
+      <p:pic>
+        <p:nvPicPr>
+          <p:cNvPr id="26" name="Gráfico 25">
+            <a:extLst>
+              <a:ext uri="{FF2B5EF4-FFF2-40B4-BE49-F238E27FC236}">
+                <a16:creationId xmlns:a16="http://schemas.microsoft.com/office/drawing/2014/main" id="{77AA5D6E-D683-43E0-AC6E-3902673D914F}"/>
+              </a:ext>
+            </a:extLst>
+          </p:cNvPr>
+          <p:cNvPicPr>
+            <a:picLocks noChangeAspect="1"/>
+          </p:cNvPicPr>
+          <p:nvPr/>
+        </p:nvPicPr>
+        <p:blipFill>
+          <a:blip r:embed="rId8">
+            <a:extLst>
+              <a:ext uri="{28A0092B-C50C-407E-A947-70E740481C1C}">
+                <a14:useLocalDpi xmlns:a14="http://schemas.microsoft.com/office/drawing/2010/main" val="0"/>
+              </a:ext>
+              <a:ext uri="{96DAC541-7B7A-43D3-8B79-37D633B846F1}">
+                <asvg:svgBlip xmlns:asvg="http://schemas.microsoft.com/office/drawing/2016/SVG/main" r:embed="rId9"/>
+              </a:ext>
+            </a:extLst>
+          </a:blip>
+          <a:stretch>
+            <a:fillRect/>
+          </a:stretch>
+        </p:blipFill>
+        <p:spPr>
+          <a:xfrm>
+            <a:off x="2903917" y="4597751"/>
+            <a:ext cx="878938" cy="878938"/>
+          </a:xfrm>
+          <a:prstGeom prst="rect">
+            <a:avLst/>
+          </a:prstGeom>
+        </p:spPr>
+      </p:pic>
+      <p:pic>
+        <p:nvPicPr>
+          <p:cNvPr id="30" name="Gráfico 29">
+            <a:extLst>
+              <a:ext uri="{FF2B5EF4-FFF2-40B4-BE49-F238E27FC236}">
+                <a16:creationId xmlns:a16="http://schemas.microsoft.com/office/drawing/2014/main" id="{92BAD343-2304-40D4-94BB-86C79AC9D9FB}"/>
+              </a:ext>
+            </a:extLst>
+          </p:cNvPr>
+          <p:cNvPicPr>
+            <a:picLocks noChangeAspect="1"/>
+          </p:cNvPicPr>
+          <p:nvPr/>
+        </p:nvPicPr>
+        <p:blipFill>
+          <a:blip r:embed="rId10">
+            <a:extLst>
+              <a:ext uri="{28A0092B-C50C-407E-A947-70E740481C1C}">
+                <a14:useLocalDpi xmlns:a14="http://schemas.microsoft.com/office/drawing/2010/main" val="0"/>
+              </a:ext>
+              <a:ext uri="{96DAC541-7B7A-43D3-8B79-37D633B846F1}">
+                <asvg:svgBlip xmlns:asvg="http://schemas.microsoft.com/office/drawing/2016/SVG/main" r:embed="rId11"/>
+              </a:ext>
+            </a:extLst>
+          </a:blip>
+          <a:stretch>
+            <a:fillRect/>
+          </a:stretch>
+        </p:blipFill>
+        <p:spPr>
+          <a:xfrm>
+            <a:off x="3085642" y="1759196"/>
+            <a:ext cx="1287462" cy="1287462"/>
+          </a:xfrm>
+          <a:prstGeom prst="rect">
+            <a:avLst/>
+          </a:prstGeom>
+        </p:spPr>
+      </p:pic>
+      <p:pic>
+        <p:nvPicPr>
+          <p:cNvPr id="36" name="Gráfico 35">
+            <a:extLst>
+              <a:ext uri="{FF2B5EF4-FFF2-40B4-BE49-F238E27FC236}">
+                <a16:creationId xmlns:a16="http://schemas.microsoft.com/office/drawing/2014/main" id="{4B1D6EBA-E6A2-4DAF-BB69-FD38A41265FA}"/>
+              </a:ext>
+            </a:extLst>
+          </p:cNvPr>
+          <p:cNvPicPr>
+            <a:picLocks noChangeAspect="1"/>
+          </p:cNvPicPr>
+          <p:nvPr/>
+        </p:nvPicPr>
+        <p:blipFill>
+          <a:blip r:embed="rId12">
+            <a:extLst>
+              <a:ext uri="{28A0092B-C50C-407E-A947-70E740481C1C}">
+                <a14:useLocalDpi xmlns:a14="http://schemas.microsoft.com/office/drawing/2010/main" val="0"/>
+              </a:ext>
+              <a:ext uri="{96DAC541-7B7A-43D3-8B79-37D633B846F1}">
+                <asvg:svgBlip xmlns:asvg="http://schemas.microsoft.com/office/drawing/2016/SVG/main" r:embed="rId13"/>
+              </a:ext>
+            </a:extLst>
+          </a:blip>
+          <a:stretch>
+            <a:fillRect/>
+          </a:stretch>
+        </p:blipFill>
+        <p:spPr>
+          <a:xfrm>
+            <a:off x="4418083" y="1844769"/>
+            <a:ext cx="1099065" cy="1099065"/>
+          </a:xfrm>
+          <a:prstGeom prst="rect">
+            <a:avLst/>
+          </a:prstGeom>
+        </p:spPr>
+      </p:pic>
+      <p:pic>
+        <p:nvPicPr>
+          <p:cNvPr id="38" name="Gráfico 37">
+            <a:extLst>
+              <a:ext uri="{FF2B5EF4-FFF2-40B4-BE49-F238E27FC236}">
+                <a16:creationId xmlns:a16="http://schemas.microsoft.com/office/drawing/2014/main" id="{4C7EAB54-43C5-4CA2-81E2-7B3791E38DF9}"/>
+              </a:ext>
+            </a:extLst>
+          </p:cNvPr>
+          <p:cNvPicPr>
+            <a:picLocks noChangeAspect="1"/>
+          </p:cNvPicPr>
+          <p:nvPr/>
+        </p:nvPicPr>
+        <p:blipFill>
+          <a:blip r:embed="rId14">
+            <a:extLst>
+              <a:ext uri="{28A0092B-C50C-407E-A947-70E740481C1C}">
+                <a14:useLocalDpi xmlns:a14="http://schemas.microsoft.com/office/drawing/2010/main" val="0"/>
+              </a:ext>
+              <a:ext uri="{96DAC541-7B7A-43D3-8B79-37D633B846F1}">
+                <asvg:svgBlip xmlns:asvg="http://schemas.microsoft.com/office/drawing/2016/SVG/main" r:embed="rId15"/>
+              </a:ext>
+            </a:extLst>
+          </a:blip>
+          <a:stretch>
+            <a:fillRect/>
+          </a:stretch>
+        </p:blipFill>
+        <p:spPr>
+          <a:xfrm>
+            <a:off x="5918132" y="1446955"/>
+            <a:ext cx="1792397" cy="1792397"/>
+          </a:xfrm>
+          <a:prstGeom prst="rect">
+            <a:avLst/>
+          </a:prstGeom>
+        </p:spPr>
+      </p:pic>
+      <p:pic>
+        <p:nvPicPr>
+          <p:cNvPr id="40" name="Gráfico 39">
+            <a:extLst>
+              <a:ext uri="{FF2B5EF4-FFF2-40B4-BE49-F238E27FC236}">
+                <a16:creationId xmlns:a16="http://schemas.microsoft.com/office/drawing/2014/main" id="{33E732EF-310A-46E7-941D-84BBA65DBFF6}"/>
+              </a:ext>
+            </a:extLst>
+          </p:cNvPr>
+          <p:cNvPicPr>
+            <a:picLocks noChangeAspect="1"/>
+          </p:cNvPicPr>
+          <p:nvPr/>
+        </p:nvPicPr>
+        <p:blipFill>
+          <a:blip r:embed="rId16">
+            <a:extLst>
+              <a:ext uri="{28A0092B-C50C-407E-A947-70E740481C1C}">
+                <a14:useLocalDpi xmlns:a14="http://schemas.microsoft.com/office/drawing/2010/main" val="0"/>
+              </a:ext>
+              <a:ext uri="{96DAC541-7B7A-43D3-8B79-37D633B846F1}">
+                <asvg:svgBlip xmlns:asvg="http://schemas.microsoft.com/office/drawing/2016/SVG/main" r:embed="rId17"/>
+              </a:ext>
+            </a:extLst>
+          </a:blip>
+          <a:stretch>
+            <a:fillRect/>
+          </a:stretch>
+        </p:blipFill>
+        <p:spPr>
+          <a:xfrm>
+            <a:off x="1478842" y="2465822"/>
+            <a:ext cx="848660" cy="848660"/>
+          </a:xfrm>
+          <a:prstGeom prst="rect">
+            <a:avLst/>
+          </a:prstGeom>
+        </p:spPr>
+      </p:pic>
+      <p:pic>
+        <p:nvPicPr>
+          <p:cNvPr id="43" name="Gráfico 42">
+            <a:extLst>
+              <a:ext uri="{FF2B5EF4-FFF2-40B4-BE49-F238E27FC236}">
+                <a16:creationId xmlns:a16="http://schemas.microsoft.com/office/drawing/2014/main" id="{8B0F6566-C23F-449C-8628-2036CB016181}"/>
+              </a:ext>
+            </a:extLst>
+          </p:cNvPr>
+          <p:cNvPicPr>
+            <a:picLocks noChangeAspect="1"/>
+          </p:cNvPicPr>
+          <p:nvPr/>
+        </p:nvPicPr>
+        <p:blipFill>
+          <a:blip r:embed="rId18">
+            <a:extLst>
+              <a:ext uri="{28A0092B-C50C-407E-A947-70E740481C1C}">
+                <a14:useLocalDpi xmlns:a14="http://schemas.microsoft.com/office/drawing/2010/main" val="0"/>
+              </a:ext>
+              <a:ext uri="{96DAC541-7B7A-43D3-8B79-37D633B846F1}">
+                <asvg:svgBlip xmlns:asvg="http://schemas.microsoft.com/office/drawing/2016/SVG/main" r:embed="rId19"/>
+              </a:ext>
+            </a:extLst>
+          </a:blip>
+          <a:stretch>
+            <a:fillRect/>
+          </a:stretch>
+        </p:blipFill>
+        <p:spPr>
+          <a:xfrm>
+            <a:off x="9494816" y="1646513"/>
+            <a:ext cx="1592839" cy="1592839"/>
+          </a:xfrm>
+          <a:prstGeom prst="rect">
+            <a:avLst/>
+          </a:prstGeom>
+        </p:spPr>
+      </p:pic>
+      <p:pic>
+        <p:nvPicPr>
+          <p:cNvPr id="45" name="Gráfico 44">
+            <a:extLst>
+              <a:ext uri="{FF2B5EF4-FFF2-40B4-BE49-F238E27FC236}">
+                <a16:creationId xmlns:a16="http://schemas.microsoft.com/office/drawing/2014/main" id="{BA9E5E22-7EFA-4CC7-9DAC-317181B14F52}"/>
+              </a:ext>
+            </a:extLst>
+          </p:cNvPr>
+          <p:cNvPicPr>
+            <a:picLocks noChangeAspect="1"/>
+          </p:cNvPicPr>
+          <p:nvPr/>
+        </p:nvPicPr>
+        <p:blipFill>
+          <a:blip r:embed="rId20">
+            <a:extLst>
+              <a:ext uri="{28A0092B-C50C-407E-A947-70E740481C1C}">
+                <a14:useLocalDpi xmlns:a14="http://schemas.microsoft.com/office/drawing/2010/main" val="0"/>
+              </a:ext>
+              <a:ext uri="{96DAC541-7B7A-43D3-8B79-37D633B846F1}">
+                <asvg:svgBlip xmlns:asvg="http://schemas.microsoft.com/office/drawing/2016/SVG/main" r:embed="rId21"/>
+              </a:ext>
+            </a:extLst>
+          </a:blip>
+          <a:stretch>
+            <a:fillRect/>
+          </a:stretch>
+        </p:blipFill>
+        <p:spPr>
+          <a:xfrm>
+            <a:off x="6082758" y="4402013"/>
+            <a:ext cx="1463144" cy="1463144"/>
+          </a:xfrm>
+          <a:prstGeom prst="rect">
+            <a:avLst/>
+          </a:prstGeom>
+        </p:spPr>
+      </p:pic>
+      <p:pic>
+        <p:nvPicPr>
+          <p:cNvPr id="46" name="Gráfico 45">
+            <a:extLst>
+              <a:ext uri="{FF2B5EF4-FFF2-40B4-BE49-F238E27FC236}">
+                <a16:creationId xmlns:a16="http://schemas.microsoft.com/office/drawing/2014/main" id="{D19A8B3F-1B3F-458C-8F36-FFA26D21CC36}"/>
+              </a:ext>
+            </a:extLst>
+          </p:cNvPr>
+          <p:cNvPicPr>
+            <a:picLocks noChangeAspect="1"/>
+          </p:cNvPicPr>
+          <p:nvPr/>
+        </p:nvPicPr>
+        <p:blipFill>
+          <a:blip r:embed="rId12">
+            <a:extLst>
+              <a:ext uri="{28A0092B-C50C-407E-A947-70E740481C1C}">
+                <a14:useLocalDpi xmlns:a14="http://schemas.microsoft.com/office/drawing/2010/main" val="0"/>
+              </a:ext>
+              <a:ext uri="{96DAC541-7B7A-43D3-8B79-37D633B846F1}">
+                <asvg:svgBlip xmlns:asvg="http://schemas.microsoft.com/office/drawing/2016/SVG/main" r:embed="rId13"/>
+              </a:ext>
+            </a:extLst>
+          </a:blip>
+          <a:stretch>
+            <a:fillRect/>
+          </a:stretch>
+        </p:blipFill>
+        <p:spPr>
+          <a:xfrm>
+            <a:off x="8096682" y="1853394"/>
+            <a:ext cx="1099065" cy="1099065"/>
+          </a:xfrm>
+          <a:prstGeom prst="rect">
+            <a:avLst/>
+          </a:prstGeom>
+        </p:spPr>
+      </p:pic>
+      <p:pic>
+        <p:nvPicPr>
+          <p:cNvPr id="47" name="Gráfico 46">
+            <a:extLst>
+              <a:ext uri="{FF2B5EF4-FFF2-40B4-BE49-F238E27FC236}">
+                <a16:creationId xmlns:a16="http://schemas.microsoft.com/office/drawing/2014/main" id="{51FE0494-E884-4BE8-A86B-B4765A9263F6}"/>
+              </a:ext>
+            </a:extLst>
+          </p:cNvPr>
+          <p:cNvPicPr>
+            <a:picLocks noChangeAspect="1"/>
+          </p:cNvPicPr>
+          <p:nvPr/>
+        </p:nvPicPr>
+        <p:blipFill>
+          <a:blip r:embed="rId12">
+            <a:extLst>
+              <a:ext uri="{28A0092B-C50C-407E-A947-70E740481C1C}">
+                <a14:useLocalDpi xmlns:a14="http://schemas.microsoft.com/office/drawing/2010/main" val="0"/>
+              </a:ext>
+              <a:ext uri="{96DAC541-7B7A-43D3-8B79-37D633B846F1}">
+                <asvg:svgBlip xmlns:asvg="http://schemas.microsoft.com/office/drawing/2016/SVG/main" r:embed="rId13"/>
+              </a:ext>
+            </a:extLst>
+          </a:blip>
+          <a:stretch>
+            <a:fillRect/>
+          </a:stretch>
+        </p:blipFill>
+        <p:spPr>
+          <a:xfrm rot="5400000">
+            <a:off x="6394570" y="3324947"/>
+            <a:ext cx="839519" cy="839519"/>
+          </a:xfrm>
+          <a:prstGeom prst="rect">
+            <a:avLst/>
+          </a:prstGeom>
+        </p:spPr>
+      </p:pic>
+    </p:spTree>
+    <p:extLst>
+      <p:ext uri="{BB962C8B-B14F-4D97-AF65-F5344CB8AC3E}">
+        <p14:creationId xmlns:p14="http://schemas.microsoft.com/office/powerpoint/2010/main" val="2752036610"/>
+      </p:ext>
+    </p:extLst>
+  </p:cSld>
+  <p:clrMapOvr>
+    <a:masterClrMapping/>
+  </p:clrMapOvr>
+  <p:transition spd="slow">
+    <p:push dir="u"/>
+  </p:transition>
+</p:sld>
+</file>
+
+<file path=ppt/slides/slide8.xml><?xml version="1.0" encoding="utf-8"?>
+<p:sld xmlns:a="http://schemas.openxmlformats.org/drawingml/2006/main" xmlns:r="http://schemas.openxmlformats.org/officeDocument/2006/relationships" xmlns:p="http://schemas.openxmlformats.org/presentationml/2006/main">
+  <p:cSld>
+    <p:spTree>
+      <p:nvGrpSpPr>
+        <p:cNvPr id="1" name=""/>
+        <p:cNvGrpSpPr/>
+        <p:nvPr/>
+      </p:nvGrpSpPr>
+      <p:grpSpPr>
+        <a:xfrm>
+          <a:off x="0" y="0"/>
+          <a:ext cx="0" cy="0"/>
+          <a:chOff x="0" y="0"/>
+          <a:chExt cx="0" cy="0"/>
+        </a:xfrm>
+      </p:grpSpPr>
+      <p:sp>
+        <p:nvSpPr>
+          <p:cNvPr id="12" name="Retângulo 11">
+            <a:extLst>
+              <a:ext uri="{FF2B5EF4-FFF2-40B4-BE49-F238E27FC236}">
+                <a16:creationId xmlns:a16="http://schemas.microsoft.com/office/drawing/2014/main" id="{2375630F-E387-4D64-8121-CA4F4C1C3B1F}"/>
+              </a:ext>
+            </a:extLst>
+          </p:cNvPr>
+          <p:cNvSpPr/>
+          <p:nvPr/>
+        </p:nvSpPr>
+        <p:spPr>
+          <a:xfrm>
+            <a:off x="0" y="-1"/>
+            <a:ext cx="12192000" cy="6858001"/>
+          </a:xfrm>
+          <a:prstGeom prst="rect">
+            <a:avLst/>
+          </a:prstGeom>
+          <a:solidFill>
+            <a:srgbClr val="1F1F1F"/>
+          </a:solidFill>
+          <a:ln>
+            <a:noFill/>
+          </a:ln>
+        </p:spPr>
+        <p:style>
+          <a:lnRef idx="2">
+            <a:schemeClr val="accent1">
+              <a:shade val="50000"/>
+            </a:schemeClr>
+          </a:lnRef>
+          <a:fillRef idx="1">
+            <a:schemeClr val="accent1"/>
+          </a:fillRef>
+          <a:effectRef idx="0">
+            <a:schemeClr val="accent1"/>
+          </a:effectRef>
+          <a:fontRef idx="minor">
+            <a:schemeClr val="lt1"/>
+          </a:fontRef>
+        </p:style>
+        <p:txBody>
+          <a:bodyPr rtlCol="0" anchor="ctr"/>
+          <a:lstStyle/>
+          <a:p>
+            <a:pPr algn="r"/>
+            <a:endParaRPr lang="pt-BR" sz="2400" b="1" dirty="0">
+              <a:latin typeface="Thasadith" panose="00000500000000000000" pitchFamily="2" charset="-34"/>
+              <a:cs typeface="Thasadith" panose="00000500000000000000" pitchFamily="2" charset="-34"/>
+            </a:endParaRPr>
+          </a:p>
+          <a:p>
+            <a:pPr algn="r"/>
+            <a:endParaRPr lang="pt-BR" sz="2400" b="1" dirty="0">
+              <a:latin typeface="Thasadith" panose="00000500000000000000" pitchFamily="2" charset="-34"/>
+              <a:cs typeface="Thasadith" panose="00000500000000000000" pitchFamily="2" charset="-34"/>
+            </a:endParaRPr>
+          </a:p>
+        </p:txBody>
+      </p:sp>
+      <p:sp>
+        <p:nvSpPr>
+          <p:cNvPr id="8" name="Triângulo Retângulo 7">
+            <a:extLst>
+              <a:ext uri="{FF2B5EF4-FFF2-40B4-BE49-F238E27FC236}">
+                <a16:creationId xmlns:a16="http://schemas.microsoft.com/office/drawing/2014/main" id="{0B8F5AE3-CB54-494F-AEEF-018276BAC4C6}"/>
+              </a:ext>
+            </a:extLst>
+          </p:cNvPr>
+          <p:cNvSpPr/>
+          <p:nvPr/>
+        </p:nvSpPr>
+        <p:spPr>
+          <a:xfrm rot="10800000" flipH="1">
+            <a:off x="0" y="-2"/>
+            <a:ext cx="6096000" cy="1273865"/>
+          </a:xfrm>
+          <a:prstGeom prst="rtTriangle">
+            <a:avLst/>
+          </a:prstGeom>
+          <a:solidFill>
+            <a:srgbClr val="162A55"/>
+          </a:solidFill>
+          <a:ln>
+            <a:noFill/>
+          </a:ln>
+        </p:spPr>
+        <p:style>
+          <a:lnRef idx="2">
+            <a:schemeClr val="accent1">
+              <a:shade val="50000"/>
+            </a:schemeClr>
+          </a:lnRef>
+          <a:fillRef idx="1">
+            <a:schemeClr val="accent1"/>
+          </a:fillRef>
+          <a:effectRef idx="0">
+            <a:schemeClr val="accent1"/>
+          </a:effectRef>
+          <a:fontRef idx="minor">
+            <a:schemeClr val="lt1"/>
+          </a:fontRef>
+        </p:style>
+        <p:txBody>
+          <a:bodyPr rtlCol="0" anchor="ctr"/>
+          <a:lstStyle/>
+          <a:p>
+            <a:pPr algn="ctr"/>
+            <a:endParaRPr lang="pt-BR"/>
+          </a:p>
+        </p:txBody>
+      </p:sp>
+      <p:sp>
+        <p:nvSpPr>
+          <p:cNvPr id="13" name="Triângulo Retângulo 12">
+            <a:extLst>
+              <a:ext uri="{FF2B5EF4-FFF2-40B4-BE49-F238E27FC236}">
+                <a16:creationId xmlns:a16="http://schemas.microsoft.com/office/drawing/2014/main" id="{0E5B9610-89DA-47A9-AFE3-A82C87337776}"/>
+              </a:ext>
+            </a:extLst>
+          </p:cNvPr>
+          <p:cNvSpPr/>
+          <p:nvPr/>
+        </p:nvSpPr>
+        <p:spPr>
+          <a:xfrm flipH="1">
+            <a:off x="6096000" y="5584133"/>
+            <a:ext cx="6096000" cy="1273867"/>
+          </a:xfrm>
+          <a:prstGeom prst="rtTriangle">
+            <a:avLst/>
+          </a:prstGeom>
+          <a:solidFill>
+            <a:srgbClr val="162A55"/>
+          </a:solidFill>
+          <a:ln>
+            <a:noFill/>
+          </a:ln>
+        </p:spPr>
+        <p:style>
+          <a:lnRef idx="2">
+            <a:schemeClr val="accent1">
+              <a:shade val="50000"/>
+            </a:schemeClr>
+          </a:lnRef>
+          <a:fillRef idx="1">
+            <a:schemeClr val="accent1"/>
+          </a:fillRef>
+          <a:effectRef idx="0">
+            <a:schemeClr val="accent1"/>
+          </a:effectRef>
+          <a:fontRef idx="minor">
+            <a:schemeClr val="lt1"/>
+          </a:fontRef>
+        </p:style>
+        <p:txBody>
+          <a:bodyPr rtlCol="0" anchor="ctr"/>
+          <a:lstStyle/>
+          <a:p>
+            <a:pPr algn="ctr"/>
+            <a:endParaRPr lang="pt-BR"/>
+          </a:p>
+        </p:txBody>
+      </p:sp>
+      <p:grpSp>
+        <p:nvGrpSpPr>
+          <p:cNvPr id="16" name="Agrupar 15">
+            <a:extLst>
+              <a:ext uri="{FF2B5EF4-FFF2-40B4-BE49-F238E27FC236}">
+                <a16:creationId xmlns:a16="http://schemas.microsoft.com/office/drawing/2014/main" id="{1BFF33C1-3490-48E3-BEB0-3C5440C632D4}"/>
+              </a:ext>
+            </a:extLst>
+          </p:cNvPr>
+          <p:cNvGrpSpPr/>
+          <p:nvPr/>
+        </p:nvGrpSpPr>
+        <p:grpSpPr>
+          <a:xfrm rot="20968734">
+            <a:off x="236331" y="174954"/>
+            <a:ext cx="4364697" cy="584775"/>
+            <a:chOff x="1310389" y="2553140"/>
+            <a:chExt cx="12529471" cy="1700913"/>
+          </a:xfrm>
+        </p:grpSpPr>
+        <p:pic>
+          <p:nvPicPr>
+            <p:cNvPr id="14" name="Gráfico 13">
+              <a:extLst>
+                <a:ext uri="{FF2B5EF4-FFF2-40B4-BE49-F238E27FC236}">
+                  <a16:creationId xmlns:a16="http://schemas.microsoft.com/office/drawing/2014/main" id="{41FC4012-C987-40D1-8256-32A6F3F26D80}"/>
+                </a:ext>
+              </a:extLst>
+            </p:cNvPr>
+            <p:cNvPicPr>
+              <a:picLocks noChangeAspect="1"/>
+            </p:cNvPicPr>
+            <p:nvPr/>
+          </p:nvPicPr>
+          <p:blipFill>
+            <a:blip r:embed="rId2">
+              <a:extLst>
+                <a:ext uri="{28A0092B-C50C-407E-A947-70E740481C1C}">
+                  <a14:useLocalDpi xmlns:a14="http://schemas.microsoft.com/office/drawing/2010/main" val="0"/>
+                </a:ext>
+                <a:ext uri="{96DAC541-7B7A-43D3-8B79-37D633B846F1}">
+                  <asvg:svgBlip xmlns:asvg="http://schemas.microsoft.com/office/drawing/2016/SVG/main" r:embed="rId3"/>
+                </a:ext>
+              </a:extLst>
+            </a:blip>
+            <a:stretch>
+              <a:fillRect/>
+            </a:stretch>
+          </p:blipFill>
+          <p:spPr>
+            <a:xfrm>
+              <a:off x="1310389" y="2642660"/>
+              <a:ext cx="1541670" cy="1233336"/>
+            </a:xfrm>
+            <a:prstGeom prst="rect">
+              <a:avLst/>
+            </a:prstGeom>
+          </p:spPr>
+        </p:pic>
+        <p:sp>
+          <p:nvSpPr>
+            <p:cNvPr id="15" name="CaixaDeTexto 14">
+              <a:extLst>
+                <a:ext uri="{FF2B5EF4-FFF2-40B4-BE49-F238E27FC236}">
+                  <a16:creationId xmlns:a16="http://schemas.microsoft.com/office/drawing/2014/main" id="{ED1C7E70-459B-4238-9C31-09C51BC769FB}"/>
+                </a:ext>
+              </a:extLst>
+            </p:cNvPr>
+            <p:cNvSpPr txBox="1"/>
+            <p:nvPr/>
+          </p:nvSpPr>
+          <p:spPr>
+            <a:xfrm>
+              <a:off x="2852061" y="2553140"/>
+              <a:ext cx="10987799" cy="1700913"/>
+            </a:xfrm>
+            <a:prstGeom prst="rect">
+              <a:avLst/>
+            </a:prstGeom>
+            <a:noFill/>
+          </p:spPr>
+          <p:txBody>
+            <a:bodyPr wrap="square" rtlCol="0">
+              <a:spAutoFit/>
+            </a:bodyPr>
+            <a:lstStyle/>
+            <a:p>
+              <a:r>
+                <a:rPr lang="pt-BR" sz="3200" b="1" dirty="0">
+                  <a:solidFill>
+                    <a:schemeClr val="bg1"/>
+                  </a:solidFill>
+                  <a:latin typeface="Chakra Petch" panose="00000500000000000000" pitchFamily="2" charset="-34"/>
+                  <a:cs typeface="Chakra Petch" panose="00000500000000000000" pitchFamily="2" charset="-34"/>
+                </a:rPr>
+                <a:t>DIGITAL</a:t>
+              </a:r>
+              <a:r>
+                <a:rPr lang="pt-BR" b="1" dirty="0">
+                  <a:latin typeface="Chakra Petch" panose="00000500000000000000" pitchFamily="2" charset="-34"/>
+                  <a:cs typeface="Chakra Petch" panose="00000500000000000000" pitchFamily="2" charset="-34"/>
+                </a:rPr>
+                <a:t> </a:t>
+              </a:r>
+              <a:r>
+                <a:rPr lang="pt-BR" sz="3200" b="1" dirty="0">
+                  <a:solidFill>
+                    <a:schemeClr val="bg1"/>
+                  </a:solidFill>
+                  <a:latin typeface="Chakra Petch" panose="00000500000000000000" pitchFamily="2" charset="-34"/>
+                  <a:cs typeface="Chakra Petch" panose="00000500000000000000" pitchFamily="2" charset="-34"/>
+                </a:rPr>
+                <a:t>TIME</a:t>
+              </a:r>
+              <a:endParaRPr lang="pt-BR" b="1" dirty="0">
+                <a:solidFill>
+                  <a:schemeClr val="bg1"/>
+                </a:solidFill>
+                <a:latin typeface="Chakra Petch" panose="00000500000000000000" pitchFamily="2" charset="-34"/>
+                <a:cs typeface="Chakra Petch" panose="00000500000000000000" pitchFamily="2" charset="-34"/>
+              </a:endParaRPr>
+            </a:p>
+          </p:txBody>
+        </p:sp>
+      </p:grpSp>
+      <p:sp>
+        <p:nvSpPr>
+          <p:cNvPr id="3" name="CaixaDeTexto 2">
+            <a:extLst>
+              <a:ext uri="{FF2B5EF4-FFF2-40B4-BE49-F238E27FC236}">
+                <a16:creationId xmlns:a16="http://schemas.microsoft.com/office/drawing/2014/main" id="{324CD8E9-C250-4A8F-81DB-B8B31074FD92}"/>
+              </a:ext>
+            </a:extLst>
+          </p:cNvPr>
+          <p:cNvSpPr txBox="1"/>
+          <p:nvPr/>
+        </p:nvSpPr>
+        <p:spPr>
+          <a:xfrm>
+            <a:off x="0" y="-3"/>
+            <a:ext cx="12192000" cy="707886"/>
+          </a:xfrm>
+          <a:prstGeom prst="rect">
+            <a:avLst/>
+          </a:prstGeom>
+          <a:noFill/>
+        </p:spPr>
+        <p:txBody>
+          <a:bodyPr wrap="square" rtlCol="0">
+            <a:spAutoFit/>
+          </a:bodyPr>
+          <a:lstStyle/>
+          <a:p>
+            <a:pPr algn="r"/>
+            <a:r>
+              <a:rPr lang="pt-BR" sz="4000" b="1" dirty="0">
+                <a:solidFill>
+                  <a:schemeClr val="bg1"/>
+                </a:solidFill>
+                <a:latin typeface="Thasadith" panose="00000500000000000000" pitchFamily="2" charset="-34"/>
+                <a:cs typeface="Thasadith" panose="00000500000000000000" pitchFamily="2" charset="-34"/>
+              </a:rPr>
+              <a:t>REQUISITOS</a:t>
+            </a:r>
+          </a:p>
+        </p:txBody>
+      </p:sp>
+      <p:sp>
+        <p:nvSpPr>
+          <p:cNvPr id="4" name="Espaço Reservado para Número de Slide 3">
+            <a:extLst>
+              <a:ext uri="{FF2B5EF4-FFF2-40B4-BE49-F238E27FC236}">
+                <a16:creationId xmlns:a16="http://schemas.microsoft.com/office/drawing/2014/main" id="{501B0F14-C806-4861-9C35-8D5D94587EB8}"/>
+              </a:ext>
+            </a:extLst>
+          </p:cNvPr>
+          <p:cNvSpPr>
+            <a:spLocks noGrp="1"/>
+          </p:cNvSpPr>
+          <p:nvPr>
+            <p:ph type="sldNum" sz="quarter" idx="12"/>
+          </p:nvPr>
+        </p:nvSpPr>
+        <p:spPr/>
+        <p:txBody>
+          <a:bodyPr/>
+          <a:lstStyle/>
+          <a:p>
+            <a:fld id="{9D97899C-E451-4B61-B1C0-61E05E8D416C}" type="slidenum">
+              <a:rPr lang="pt-BR" sz="1800" b="1" smtClean="0">
+                <a:solidFill>
+                  <a:schemeClr val="bg1"/>
+                </a:solidFill>
+                <a:latin typeface="Thasadith" panose="00000500000000000000" pitchFamily="2" charset="-34"/>
+                <a:cs typeface="Thasadith" panose="00000500000000000000" pitchFamily="2" charset="-34"/>
+              </a:rPr>
               <a:t>8</a:t>
             </a:fld>
             <a:endParaRPr lang="pt-BR" sz="1800" b="1" dirty="0">
@@ -7437,10 +7831,10 @@
       </p:sp>
       <p:pic>
         <p:nvPicPr>
-          <p:cNvPr id="6" name="Gráfico 5">
-            <a:extLst>
-              <a:ext uri="{FF2B5EF4-FFF2-40B4-BE49-F238E27FC236}">
-                <a16:creationId xmlns:a16="http://schemas.microsoft.com/office/drawing/2014/main" id="{97471C91-09C4-4A87-BF45-C7256BF11AD1}"/>
+          <p:cNvPr id="5" name="Imagem 4">
+            <a:extLst>
+              <a:ext uri="{FF2B5EF4-FFF2-40B4-BE49-F238E27FC236}">
+                <a16:creationId xmlns:a16="http://schemas.microsoft.com/office/drawing/2014/main" id="{5BB36A71-82FD-4297-B2E5-2D7899317810}"/>
               </a:ext>
             </a:extLst>
           </p:cNvPr>
@@ -7449,415 +7843,21 @@
           </p:cNvPicPr>
           <p:nvPr/>
         </p:nvPicPr>
-        <p:blipFill>
+        <p:blipFill rotWithShape="1">
           <a:blip r:embed="rId4">
             <a:extLst>
               <a:ext uri="{28A0092B-C50C-407E-A947-70E740481C1C}">
                 <a14:useLocalDpi xmlns:a14="http://schemas.microsoft.com/office/drawing/2010/main" val="0"/>
               </a:ext>
-              <a:ext uri="{96DAC541-7B7A-43D3-8B79-37D633B846F1}">
-                <asvg:svgBlip xmlns:asvg="http://schemas.microsoft.com/office/drawing/2016/SVG/main" r:embed="rId5"/>
-              </a:ext>
             </a:extLst>
           </a:blip>
-          <a:stretch>
-            <a:fillRect/>
-          </a:stretch>
+          <a:srcRect t="1406" r="625" b="269"/>
+          <a:stretch/>
         </p:blipFill>
         <p:spPr>
           <a:xfrm>
-            <a:off x="1006974" y="1700969"/>
-            <a:ext cx="1792397" cy="1792397"/>
-          </a:xfrm>
-          <a:prstGeom prst="rect">
-            <a:avLst/>
-          </a:prstGeom>
-        </p:spPr>
-      </p:pic>
-      <p:pic>
-        <p:nvPicPr>
-          <p:cNvPr id="9" name="Gráfico 8">
-            <a:extLst>
-              <a:ext uri="{FF2B5EF4-FFF2-40B4-BE49-F238E27FC236}">
-                <a16:creationId xmlns:a16="http://schemas.microsoft.com/office/drawing/2014/main" id="{E6EB3829-CE9B-41C1-8425-78AB99D35A7B}"/>
-              </a:ext>
-            </a:extLst>
-          </p:cNvPr>
-          <p:cNvPicPr>
-            <a:picLocks noChangeAspect="1"/>
-          </p:cNvPicPr>
-          <p:nvPr/>
-        </p:nvPicPr>
-        <p:blipFill>
-          <a:blip r:embed="rId6">
-            <a:extLst>
-              <a:ext uri="{28A0092B-C50C-407E-A947-70E740481C1C}">
-                <a14:useLocalDpi xmlns:a14="http://schemas.microsoft.com/office/drawing/2010/main" val="0"/>
-              </a:ext>
-              <a:ext uri="{96DAC541-7B7A-43D3-8B79-37D633B846F1}">
-                <asvg:svgBlip xmlns:asvg="http://schemas.microsoft.com/office/drawing/2016/SVG/main" r:embed="rId7"/>
-              </a:ext>
-            </a:extLst>
-          </a:blip>
-          <a:stretch>
-            <a:fillRect/>
-          </a:stretch>
-        </p:blipFill>
-        <p:spPr>
-          <a:xfrm>
-            <a:off x="1143497" y="4209283"/>
-            <a:ext cx="1655874" cy="1655874"/>
-          </a:xfrm>
-          <a:prstGeom prst="rect">
-            <a:avLst/>
-          </a:prstGeom>
-        </p:spPr>
-      </p:pic>
-      <p:pic>
-        <p:nvPicPr>
-          <p:cNvPr id="26" name="Gráfico 25">
-            <a:extLst>
-              <a:ext uri="{FF2B5EF4-FFF2-40B4-BE49-F238E27FC236}">
-                <a16:creationId xmlns:a16="http://schemas.microsoft.com/office/drawing/2014/main" id="{77AA5D6E-D683-43E0-AC6E-3902673D914F}"/>
-              </a:ext>
-            </a:extLst>
-          </p:cNvPr>
-          <p:cNvPicPr>
-            <a:picLocks noChangeAspect="1"/>
-          </p:cNvPicPr>
-          <p:nvPr/>
-        </p:nvPicPr>
-        <p:blipFill>
-          <a:blip r:embed="rId8">
-            <a:extLst>
-              <a:ext uri="{28A0092B-C50C-407E-A947-70E740481C1C}">
-                <a14:useLocalDpi xmlns:a14="http://schemas.microsoft.com/office/drawing/2010/main" val="0"/>
-              </a:ext>
-              <a:ext uri="{96DAC541-7B7A-43D3-8B79-37D633B846F1}">
-                <asvg:svgBlip xmlns:asvg="http://schemas.microsoft.com/office/drawing/2016/SVG/main" r:embed="rId9"/>
-              </a:ext>
-            </a:extLst>
-          </a:blip>
-          <a:stretch>
-            <a:fillRect/>
-          </a:stretch>
-        </p:blipFill>
-        <p:spPr>
-          <a:xfrm>
-            <a:off x="2903917" y="4597751"/>
-            <a:ext cx="878938" cy="878938"/>
-          </a:xfrm>
-          <a:prstGeom prst="rect">
-            <a:avLst/>
-          </a:prstGeom>
-        </p:spPr>
-      </p:pic>
-      <p:pic>
-        <p:nvPicPr>
-          <p:cNvPr id="30" name="Gráfico 29">
-            <a:extLst>
-              <a:ext uri="{FF2B5EF4-FFF2-40B4-BE49-F238E27FC236}">
-                <a16:creationId xmlns:a16="http://schemas.microsoft.com/office/drawing/2014/main" id="{92BAD343-2304-40D4-94BB-86C79AC9D9FB}"/>
-              </a:ext>
-            </a:extLst>
-          </p:cNvPr>
-          <p:cNvPicPr>
-            <a:picLocks noChangeAspect="1"/>
-          </p:cNvPicPr>
-          <p:nvPr/>
-        </p:nvPicPr>
-        <p:blipFill>
-          <a:blip r:embed="rId10">
-            <a:extLst>
-              <a:ext uri="{28A0092B-C50C-407E-A947-70E740481C1C}">
-                <a14:useLocalDpi xmlns:a14="http://schemas.microsoft.com/office/drawing/2010/main" val="0"/>
-              </a:ext>
-              <a:ext uri="{96DAC541-7B7A-43D3-8B79-37D633B846F1}">
-                <asvg:svgBlip xmlns:asvg="http://schemas.microsoft.com/office/drawing/2016/SVG/main" r:embed="rId11"/>
-              </a:ext>
-            </a:extLst>
-          </a:blip>
-          <a:stretch>
-            <a:fillRect/>
-          </a:stretch>
-        </p:blipFill>
-        <p:spPr>
-          <a:xfrm>
-            <a:off x="3085642" y="1759196"/>
-            <a:ext cx="1287462" cy="1287462"/>
-          </a:xfrm>
-          <a:prstGeom prst="rect">
-            <a:avLst/>
-          </a:prstGeom>
-        </p:spPr>
-      </p:pic>
-      <p:pic>
-        <p:nvPicPr>
-          <p:cNvPr id="36" name="Gráfico 35">
-            <a:extLst>
-              <a:ext uri="{FF2B5EF4-FFF2-40B4-BE49-F238E27FC236}">
-                <a16:creationId xmlns:a16="http://schemas.microsoft.com/office/drawing/2014/main" id="{4B1D6EBA-E6A2-4DAF-BB69-FD38A41265FA}"/>
-              </a:ext>
-            </a:extLst>
-          </p:cNvPr>
-          <p:cNvPicPr>
-            <a:picLocks noChangeAspect="1"/>
-          </p:cNvPicPr>
-          <p:nvPr/>
-        </p:nvPicPr>
-        <p:blipFill>
-          <a:blip r:embed="rId12">
-            <a:extLst>
-              <a:ext uri="{28A0092B-C50C-407E-A947-70E740481C1C}">
-                <a14:useLocalDpi xmlns:a14="http://schemas.microsoft.com/office/drawing/2010/main" val="0"/>
-              </a:ext>
-              <a:ext uri="{96DAC541-7B7A-43D3-8B79-37D633B846F1}">
-                <asvg:svgBlip xmlns:asvg="http://schemas.microsoft.com/office/drawing/2016/SVG/main" r:embed="rId13"/>
-              </a:ext>
-            </a:extLst>
-          </a:blip>
-          <a:stretch>
-            <a:fillRect/>
-          </a:stretch>
-        </p:blipFill>
-        <p:spPr>
-          <a:xfrm>
-            <a:off x="4418083" y="1844769"/>
-            <a:ext cx="1099065" cy="1099065"/>
-          </a:xfrm>
-          <a:prstGeom prst="rect">
-            <a:avLst/>
-          </a:prstGeom>
-        </p:spPr>
-      </p:pic>
-      <p:pic>
-        <p:nvPicPr>
-          <p:cNvPr id="38" name="Gráfico 37">
-            <a:extLst>
-              <a:ext uri="{FF2B5EF4-FFF2-40B4-BE49-F238E27FC236}">
-                <a16:creationId xmlns:a16="http://schemas.microsoft.com/office/drawing/2014/main" id="{4C7EAB54-43C5-4CA2-81E2-7B3791E38DF9}"/>
-              </a:ext>
-            </a:extLst>
-          </p:cNvPr>
-          <p:cNvPicPr>
-            <a:picLocks noChangeAspect="1"/>
-          </p:cNvPicPr>
-          <p:nvPr/>
-        </p:nvPicPr>
-        <p:blipFill>
-          <a:blip r:embed="rId14">
-            <a:extLst>
-              <a:ext uri="{28A0092B-C50C-407E-A947-70E740481C1C}">
-                <a14:useLocalDpi xmlns:a14="http://schemas.microsoft.com/office/drawing/2010/main" val="0"/>
-              </a:ext>
-              <a:ext uri="{96DAC541-7B7A-43D3-8B79-37D633B846F1}">
-                <asvg:svgBlip xmlns:asvg="http://schemas.microsoft.com/office/drawing/2016/SVG/main" r:embed="rId15"/>
-              </a:ext>
-            </a:extLst>
-          </a:blip>
-          <a:stretch>
-            <a:fillRect/>
-          </a:stretch>
-        </p:blipFill>
-        <p:spPr>
-          <a:xfrm>
-            <a:off x="5918132" y="1446955"/>
-            <a:ext cx="1792397" cy="1792397"/>
-          </a:xfrm>
-          <a:prstGeom prst="rect">
-            <a:avLst/>
-          </a:prstGeom>
-        </p:spPr>
-      </p:pic>
-      <p:pic>
-        <p:nvPicPr>
-          <p:cNvPr id="40" name="Gráfico 39">
-            <a:extLst>
-              <a:ext uri="{FF2B5EF4-FFF2-40B4-BE49-F238E27FC236}">
-                <a16:creationId xmlns:a16="http://schemas.microsoft.com/office/drawing/2014/main" id="{33E732EF-310A-46E7-941D-84BBA65DBFF6}"/>
-              </a:ext>
-            </a:extLst>
-          </p:cNvPr>
-          <p:cNvPicPr>
-            <a:picLocks noChangeAspect="1"/>
-          </p:cNvPicPr>
-          <p:nvPr/>
-        </p:nvPicPr>
-        <p:blipFill>
-          <a:blip r:embed="rId16">
-            <a:extLst>
-              <a:ext uri="{28A0092B-C50C-407E-A947-70E740481C1C}">
-                <a14:useLocalDpi xmlns:a14="http://schemas.microsoft.com/office/drawing/2010/main" val="0"/>
-              </a:ext>
-              <a:ext uri="{96DAC541-7B7A-43D3-8B79-37D633B846F1}">
-                <asvg:svgBlip xmlns:asvg="http://schemas.microsoft.com/office/drawing/2016/SVG/main" r:embed="rId17"/>
-              </a:ext>
-            </a:extLst>
-          </a:blip>
-          <a:stretch>
-            <a:fillRect/>
-          </a:stretch>
-        </p:blipFill>
-        <p:spPr>
-          <a:xfrm>
-            <a:off x="1478842" y="2465822"/>
-            <a:ext cx="848660" cy="848660"/>
-          </a:xfrm>
-          <a:prstGeom prst="rect">
-            <a:avLst/>
-          </a:prstGeom>
-        </p:spPr>
-      </p:pic>
-      <p:pic>
-        <p:nvPicPr>
-          <p:cNvPr id="43" name="Gráfico 42">
-            <a:extLst>
-              <a:ext uri="{FF2B5EF4-FFF2-40B4-BE49-F238E27FC236}">
-                <a16:creationId xmlns:a16="http://schemas.microsoft.com/office/drawing/2014/main" id="{8B0F6566-C23F-449C-8628-2036CB016181}"/>
-              </a:ext>
-            </a:extLst>
-          </p:cNvPr>
-          <p:cNvPicPr>
-            <a:picLocks noChangeAspect="1"/>
-          </p:cNvPicPr>
-          <p:nvPr/>
-        </p:nvPicPr>
-        <p:blipFill>
-          <a:blip r:embed="rId18">
-            <a:extLst>
-              <a:ext uri="{28A0092B-C50C-407E-A947-70E740481C1C}">
-                <a14:useLocalDpi xmlns:a14="http://schemas.microsoft.com/office/drawing/2010/main" val="0"/>
-              </a:ext>
-              <a:ext uri="{96DAC541-7B7A-43D3-8B79-37D633B846F1}">
-                <asvg:svgBlip xmlns:asvg="http://schemas.microsoft.com/office/drawing/2016/SVG/main" r:embed="rId19"/>
-              </a:ext>
-            </a:extLst>
-          </a:blip>
-          <a:stretch>
-            <a:fillRect/>
-          </a:stretch>
-        </p:blipFill>
-        <p:spPr>
-          <a:xfrm>
-            <a:off x="9494816" y="1646513"/>
-            <a:ext cx="1592839" cy="1592839"/>
-          </a:xfrm>
-          <a:prstGeom prst="rect">
-            <a:avLst/>
-          </a:prstGeom>
-        </p:spPr>
-      </p:pic>
-      <p:pic>
-        <p:nvPicPr>
-          <p:cNvPr id="45" name="Gráfico 44">
-            <a:extLst>
-              <a:ext uri="{FF2B5EF4-FFF2-40B4-BE49-F238E27FC236}">
-                <a16:creationId xmlns:a16="http://schemas.microsoft.com/office/drawing/2014/main" id="{BA9E5E22-7EFA-4CC7-9DAC-317181B14F52}"/>
-              </a:ext>
-            </a:extLst>
-          </p:cNvPr>
-          <p:cNvPicPr>
-            <a:picLocks noChangeAspect="1"/>
-          </p:cNvPicPr>
-          <p:nvPr/>
-        </p:nvPicPr>
-        <p:blipFill>
-          <a:blip r:embed="rId20">
-            <a:extLst>
-              <a:ext uri="{28A0092B-C50C-407E-A947-70E740481C1C}">
-                <a14:useLocalDpi xmlns:a14="http://schemas.microsoft.com/office/drawing/2010/main" val="0"/>
-              </a:ext>
-              <a:ext uri="{96DAC541-7B7A-43D3-8B79-37D633B846F1}">
-                <asvg:svgBlip xmlns:asvg="http://schemas.microsoft.com/office/drawing/2016/SVG/main" r:embed="rId21"/>
-              </a:ext>
-            </a:extLst>
-          </a:blip>
-          <a:stretch>
-            <a:fillRect/>
-          </a:stretch>
-        </p:blipFill>
-        <p:spPr>
-          <a:xfrm>
-            <a:off x="6082758" y="4402013"/>
-            <a:ext cx="1463144" cy="1463144"/>
-          </a:xfrm>
-          <a:prstGeom prst="rect">
-            <a:avLst/>
-          </a:prstGeom>
-        </p:spPr>
-      </p:pic>
-      <p:pic>
-        <p:nvPicPr>
-          <p:cNvPr id="46" name="Gráfico 45">
-            <a:extLst>
-              <a:ext uri="{FF2B5EF4-FFF2-40B4-BE49-F238E27FC236}">
-                <a16:creationId xmlns:a16="http://schemas.microsoft.com/office/drawing/2014/main" id="{D19A8B3F-1B3F-458C-8F36-FFA26D21CC36}"/>
-              </a:ext>
-            </a:extLst>
-          </p:cNvPr>
-          <p:cNvPicPr>
-            <a:picLocks noChangeAspect="1"/>
-          </p:cNvPicPr>
-          <p:nvPr/>
-        </p:nvPicPr>
-        <p:blipFill>
-          <a:blip r:embed="rId12">
-            <a:extLst>
-              <a:ext uri="{28A0092B-C50C-407E-A947-70E740481C1C}">
-                <a14:useLocalDpi xmlns:a14="http://schemas.microsoft.com/office/drawing/2010/main" val="0"/>
-              </a:ext>
-              <a:ext uri="{96DAC541-7B7A-43D3-8B79-37D633B846F1}">
-                <asvg:svgBlip xmlns:asvg="http://schemas.microsoft.com/office/drawing/2016/SVG/main" r:embed="rId13"/>
-              </a:ext>
-            </a:extLst>
-          </a:blip>
-          <a:stretch>
-            <a:fillRect/>
-          </a:stretch>
-        </p:blipFill>
-        <p:spPr>
-          <a:xfrm>
-            <a:off x="8096682" y="1853394"/>
-            <a:ext cx="1099065" cy="1099065"/>
-          </a:xfrm>
-          <a:prstGeom prst="rect">
-            <a:avLst/>
-          </a:prstGeom>
-        </p:spPr>
-      </p:pic>
-      <p:pic>
-        <p:nvPicPr>
-          <p:cNvPr id="47" name="Gráfico 46">
-            <a:extLst>
-              <a:ext uri="{FF2B5EF4-FFF2-40B4-BE49-F238E27FC236}">
-                <a16:creationId xmlns:a16="http://schemas.microsoft.com/office/drawing/2014/main" id="{51FE0494-E884-4BE8-A86B-B4765A9263F6}"/>
-              </a:ext>
-            </a:extLst>
-          </p:cNvPr>
-          <p:cNvPicPr>
-            <a:picLocks noChangeAspect="1"/>
-          </p:cNvPicPr>
-          <p:nvPr/>
-        </p:nvPicPr>
-        <p:blipFill>
-          <a:blip r:embed="rId12">
-            <a:extLst>
-              <a:ext uri="{28A0092B-C50C-407E-A947-70E740481C1C}">
-                <a14:useLocalDpi xmlns:a14="http://schemas.microsoft.com/office/drawing/2010/main" val="0"/>
-              </a:ext>
-              <a:ext uri="{96DAC541-7B7A-43D3-8B79-37D633B846F1}">
-                <asvg:svgBlip xmlns:asvg="http://schemas.microsoft.com/office/drawing/2016/SVG/main" r:embed="rId13"/>
-              </a:ext>
-            </a:extLst>
-          </a:blip>
-          <a:stretch>
-            <a:fillRect/>
-          </a:stretch>
-        </p:blipFill>
-        <p:spPr>
-          <a:xfrm rot="5400000">
-            <a:off x="6394570" y="3324947"/>
-            <a:ext cx="839519" cy="839519"/>
+            <a:off x="38100" y="1544006"/>
+            <a:ext cx="12115800" cy="3769984"/>
           </a:xfrm>
           <a:prstGeom prst="rect">
             <a:avLst/>
@@ -7867,7 +7867,7 @@
     </p:spTree>
     <p:extLst>
       <p:ext uri="{BB962C8B-B14F-4D97-AF65-F5344CB8AC3E}">
-        <p14:creationId xmlns:p14="http://schemas.microsoft.com/office/powerpoint/2010/main" val="2752036610"/>
+        <p14:creationId xmlns:p14="http://schemas.microsoft.com/office/powerpoint/2010/main" val="664096136"/>
       </p:ext>
     </p:extLst>
   </p:cSld>

--- a/Documentação/Apresentação da empresa.pptx
+++ b/Documentação/Apresentação da empresa.pptx
@@ -205,7 +205,7 @@
           <a:p>
             <a:fld id="{72372153-D9CE-47D2-B991-BB4C908F3625}" type="datetimeFigureOut">
               <a:rPr lang="pt-BR" smtClean="0"/>
-              <a:t>17/03/2019</a:t>
+              <a:t>18/03/2019</a:t>
             </a:fld>
             <a:endParaRPr lang="pt-BR"/>
           </a:p>
@@ -619,7 +619,7 @@
           <a:p>
             <a:fld id="{DA316623-FE74-42AB-8905-91184DDC5213}" type="datetime1">
               <a:rPr lang="pt-BR" smtClean="0"/>
-              <a:t>17/03/2019</a:t>
+              <a:t>18/03/2019</a:t>
             </a:fld>
             <a:endParaRPr lang="pt-BR"/>
           </a:p>
@@ -820,7 +820,7 @@
           <a:p>
             <a:fld id="{9AB7A985-9EC8-4CF9-B1C6-334085D4C479}" type="datetime1">
               <a:rPr lang="pt-BR" smtClean="0"/>
-              <a:t>17/03/2019</a:t>
+              <a:t>18/03/2019</a:t>
             </a:fld>
             <a:endParaRPr lang="pt-BR"/>
           </a:p>
@@ -1031,7 +1031,7 @@
           <a:p>
             <a:fld id="{1733D3D9-36AD-4857-B012-69CC64F51E2C}" type="datetime1">
               <a:rPr lang="pt-BR" smtClean="0"/>
-              <a:t>17/03/2019</a:t>
+              <a:t>18/03/2019</a:t>
             </a:fld>
             <a:endParaRPr lang="pt-BR"/>
           </a:p>
@@ -1232,7 +1232,7 @@
           <a:p>
             <a:fld id="{D0CC623D-1E0E-4C44-AE68-82D382F45EFE}" type="datetime1">
               <a:rPr lang="pt-BR" smtClean="0"/>
-              <a:t>17/03/2019</a:t>
+              <a:t>18/03/2019</a:t>
             </a:fld>
             <a:endParaRPr lang="pt-BR"/>
           </a:p>
@@ -1510,7 +1510,7 @@
           <a:p>
             <a:fld id="{9D27B75A-A2FE-41E0-A339-8F683F7D25EF}" type="datetime1">
               <a:rPr lang="pt-BR" smtClean="0"/>
-              <a:t>17/03/2019</a:t>
+              <a:t>18/03/2019</a:t>
             </a:fld>
             <a:endParaRPr lang="pt-BR"/>
           </a:p>
@@ -1778,7 +1778,7 @@
           <a:p>
             <a:fld id="{D3B02E56-E7BD-455A-8ADE-72D71E08E090}" type="datetime1">
               <a:rPr lang="pt-BR" smtClean="0"/>
-              <a:t>17/03/2019</a:t>
+              <a:t>18/03/2019</a:t>
             </a:fld>
             <a:endParaRPr lang="pt-BR"/>
           </a:p>
@@ -2193,7 +2193,7 @@
           <a:p>
             <a:fld id="{31411EE9-ADDB-46BC-A837-DF3627652651}" type="datetime1">
               <a:rPr lang="pt-BR" smtClean="0"/>
-              <a:t>17/03/2019</a:t>
+              <a:t>18/03/2019</a:t>
             </a:fld>
             <a:endParaRPr lang="pt-BR"/>
           </a:p>
@@ -2337,7 +2337,7 @@
           <a:p>
             <a:fld id="{42540B5B-C099-4059-9EAC-D60311E0E05B}" type="datetime1">
               <a:rPr lang="pt-BR" smtClean="0"/>
-              <a:t>17/03/2019</a:t>
+              <a:t>18/03/2019</a:t>
             </a:fld>
             <a:endParaRPr lang="pt-BR"/>
           </a:p>
@@ -2453,7 +2453,7 @@
           <a:p>
             <a:fld id="{DF0C8904-BF97-402B-ACB7-A1E770CAE2AA}" type="datetime1">
               <a:rPr lang="pt-BR" smtClean="0"/>
-              <a:t>17/03/2019</a:t>
+              <a:t>18/03/2019</a:t>
             </a:fld>
             <a:endParaRPr lang="pt-BR"/>
           </a:p>
@@ -2767,7 +2767,7 @@
           <a:p>
             <a:fld id="{C587AF8A-1B5C-467C-B783-51F213AA39DA}" type="datetime1">
               <a:rPr lang="pt-BR" smtClean="0"/>
-              <a:t>17/03/2019</a:t>
+              <a:t>18/03/2019</a:t>
             </a:fld>
             <a:endParaRPr lang="pt-BR"/>
           </a:p>
@@ -3058,7 +3058,7 @@
           <a:p>
             <a:fld id="{136ACFFC-283E-46C2-B7D3-128ACCDC6804}" type="datetime1">
               <a:rPr lang="pt-BR" smtClean="0"/>
-              <a:t>17/03/2019</a:t>
+              <a:t>18/03/2019</a:t>
             </a:fld>
             <a:endParaRPr lang="pt-BR"/>
           </a:p>
@@ -3302,7 +3302,7 @@
           <a:p>
             <a:fld id="{6ABB915D-4C53-4E9C-8398-A9389133B899}" type="datetime1">
               <a:rPr lang="pt-BR" smtClean="0"/>
-              <a:t>17/03/2019</a:t>
+              <a:t>18/03/2019</a:t>
             </a:fld>
             <a:endParaRPr lang="pt-BR"/>
           </a:p>
